--- a/SocialMedia/iTag.pptx
+++ b/SocialMedia/iTag.pptx
@@ -192,6 +192,9 @@
           </p14:sldIdLst>
         </p14:section>
       </p14:sectionLst>
+    </p:ext>
+    <p:ext uri="{EFAFB233-063F-42B5-8137-9DF3F51BA10A}">
+      <p15:sldGuideLst xmlns:p15="http://schemas.microsoft.com/office/powerpoint/2012/main"/>
     </p:ext>
   </p:extLst>
 </p:presentation>
@@ -7021,9 +7024,16 @@
             <p:ph type="body" idx="1"/>
           </p:nvPr>
         </p:nvSpPr>
-        <p:spPr/>
-        <p:txBody>
-          <a:bodyPr/>
+        <p:spPr>
+          <a:xfrm>
+            <a:off x="831850" y="4589463"/>
+            <a:ext cx="10515600" cy="2001837"/>
+          </a:xfrm>
+        </p:spPr>
+        <p:txBody>
+          <a:bodyPr>
+            <a:normAutofit/>
+          </a:bodyPr>
           <a:lstStyle/>
           <a:p>
             <a:endParaRPr lang="en-US" altLang="zh-CN" dirty="0"/>
@@ -7039,7 +7049,18 @@
             </a:r>
             <a:r>
               <a:rPr lang="zh-CN" altLang="en-US" dirty="0"/>
-              <a:t>完整报告  </a:t>
+              <a:t>上可超链接报告</a:t>
+            </a:r>
+            <a:endParaRPr lang="en-US" altLang="zh-CN" dirty="0"/>
+          </a:p>
+          <a:p>
+            <a:r>
+              <a:rPr lang="en-US" altLang="zh-CN" sz="2000" dirty="0"/>
+              <a:t>https://github.com/TingliangZhang/girlsday2021/blob/main/SocialMedia/SocialMedia.md</a:t>
+            </a:r>
+            <a:r>
+              <a:rPr lang="zh-CN" altLang="en-US" sz="2000" dirty="0"/>
+              <a:t> </a:t>
             </a:r>
           </a:p>
         </p:txBody>

--- a/SocialMedia/iTag.pptx
+++ b/SocialMedia/iTag.pptx
@@ -282,7 +282,7 @@
           <a:p>
             <a:fld id="{1D5674E4-43FD-4C31-9EBC-6118D609C298}" type="datetimeFigureOut">
               <a:rPr lang="zh-CN" altLang="en-US" smtClean="0"/>
-              <a:t>2021-02-28</a:t>
+              <a:t>2021/3/1</a:t>
             </a:fld>
             <a:endParaRPr lang="zh-CN" altLang="en-US"/>
           </a:p>
@@ -812,7 +812,7 @@
           <a:p>
             <a:fld id="{EF792793-DDE3-4BDE-A5CE-EEB452E4BC31}" type="datetimeFigureOut">
               <a:rPr lang="zh-CN" altLang="en-US" smtClean="0"/>
-              <a:t>2021-02-28</a:t>
+              <a:t>2021/3/1</a:t>
             </a:fld>
             <a:endParaRPr lang="zh-CN" altLang="en-US"/>
           </a:p>
@@ -1010,7 +1010,7 @@
           <a:p>
             <a:fld id="{EF792793-DDE3-4BDE-A5CE-EEB452E4BC31}" type="datetimeFigureOut">
               <a:rPr lang="zh-CN" altLang="en-US" smtClean="0"/>
-              <a:t>2021-02-28</a:t>
+              <a:t>2021/3/1</a:t>
             </a:fld>
             <a:endParaRPr lang="zh-CN" altLang="en-US"/>
           </a:p>
@@ -1218,7 +1218,7 @@
           <a:p>
             <a:fld id="{EF792793-DDE3-4BDE-A5CE-EEB452E4BC31}" type="datetimeFigureOut">
               <a:rPr lang="zh-CN" altLang="en-US" smtClean="0"/>
-              <a:t>2021-02-28</a:t>
+              <a:t>2021/3/1</a:t>
             </a:fld>
             <a:endParaRPr lang="zh-CN" altLang="en-US"/>
           </a:p>
@@ -1432,7 +1432,7 @@
           <a:p>
             <a:fld id="{EF792793-DDE3-4BDE-A5CE-EEB452E4BC31}" type="datetimeFigureOut">
               <a:rPr lang="zh-CN" altLang="en-US" smtClean="0"/>
-              <a:t>2021-02-28</a:t>
+              <a:t>2021/3/1</a:t>
             </a:fld>
             <a:endParaRPr lang="zh-CN" altLang="en-US"/>
           </a:p>
@@ -1707,7 +1707,7 @@
           <a:p>
             <a:fld id="{EF792793-DDE3-4BDE-A5CE-EEB452E4BC31}" type="datetimeFigureOut">
               <a:rPr lang="zh-CN" altLang="en-US" smtClean="0"/>
-              <a:t>2021-02-28</a:t>
+              <a:t>2021/3/1</a:t>
             </a:fld>
             <a:endParaRPr lang="zh-CN" altLang="en-US"/>
           </a:p>
@@ -1972,7 +1972,7 @@
           <a:p>
             <a:fld id="{EF792793-DDE3-4BDE-A5CE-EEB452E4BC31}" type="datetimeFigureOut">
               <a:rPr lang="zh-CN" altLang="en-US" smtClean="0"/>
-              <a:t>2021-02-28</a:t>
+              <a:t>2021/3/1</a:t>
             </a:fld>
             <a:endParaRPr lang="zh-CN" altLang="en-US"/>
           </a:p>
@@ -2384,7 +2384,7 @@
           <a:p>
             <a:fld id="{EF792793-DDE3-4BDE-A5CE-EEB452E4BC31}" type="datetimeFigureOut">
               <a:rPr lang="zh-CN" altLang="en-US" smtClean="0"/>
-              <a:t>2021-02-28</a:t>
+              <a:t>2021/3/1</a:t>
             </a:fld>
             <a:endParaRPr lang="zh-CN" altLang="en-US"/>
           </a:p>
@@ -2525,7 +2525,7 @@
           <a:p>
             <a:fld id="{EF792793-DDE3-4BDE-A5CE-EEB452E4BC31}" type="datetimeFigureOut">
               <a:rPr lang="zh-CN" altLang="en-US" smtClean="0"/>
-              <a:t>2021-02-28</a:t>
+              <a:t>2021/3/1</a:t>
             </a:fld>
             <a:endParaRPr lang="zh-CN" altLang="en-US"/>
           </a:p>
@@ -2638,7 +2638,7 @@
           <a:p>
             <a:fld id="{EF792793-DDE3-4BDE-A5CE-EEB452E4BC31}" type="datetimeFigureOut">
               <a:rPr lang="zh-CN" altLang="en-US" smtClean="0"/>
-              <a:t>2021-02-28</a:t>
+              <a:t>2021/3/1</a:t>
             </a:fld>
             <a:endParaRPr lang="zh-CN" altLang="en-US"/>
           </a:p>
@@ -2949,7 +2949,7 @@
           <a:p>
             <a:fld id="{EF792793-DDE3-4BDE-A5CE-EEB452E4BC31}" type="datetimeFigureOut">
               <a:rPr lang="zh-CN" altLang="en-US" smtClean="0"/>
-              <a:t>2021-02-28</a:t>
+              <a:t>2021/3/1</a:t>
             </a:fld>
             <a:endParaRPr lang="zh-CN" altLang="en-US"/>
           </a:p>
@@ -3237,7 +3237,7 @@
           <a:p>
             <a:fld id="{EF792793-DDE3-4BDE-A5CE-EEB452E4BC31}" type="datetimeFigureOut">
               <a:rPr lang="zh-CN" altLang="en-US" smtClean="0"/>
-              <a:t>2021-02-28</a:t>
+              <a:t>2021/3/1</a:t>
             </a:fld>
             <a:endParaRPr lang="zh-CN" altLang="en-US"/>
           </a:p>
@@ -3478,7 +3478,7 @@
           <a:p>
             <a:fld id="{EF792793-DDE3-4BDE-A5CE-EEB452E4BC31}" type="datetimeFigureOut">
               <a:rPr lang="zh-CN" altLang="en-US" smtClean="0"/>
-              <a:t>2021-02-28</a:t>
+              <a:t>2021/3/1</a:t>
             </a:fld>
             <a:endParaRPr lang="zh-CN" altLang="en-US"/>
           </a:p>
@@ -4049,10 +4049,16 @@
             <a:endParaRPr lang="en-US" altLang="zh-CN" dirty="0"/>
           </a:p>
           <a:p>
+            <a:endParaRPr lang="en-US" altLang="zh-CN" dirty="0"/>
+          </a:p>
+          <a:p>
             <a:r>
               <a:rPr lang="zh-CN" altLang="en-US" dirty="0"/>
               <a:t>其在交互方式上采用了简单的动作设置：如果喜欢某一对象，就往右滑，不喜欢则往左滑。</a:t>
             </a:r>
+            <a:endParaRPr lang="en-US" altLang="zh-CN" dirty="0"/>
+          </a:p>
+          <a:p>
             <a:endParaRPr lang="en-US" altLang="zh-CN" dirty="0"/>
           </a:p>
           <a:p>
@@ -4538,6 +4544,9 @@
             <a:endParaRPr lang="en-US" altLang="zh-CN" dirty="0"/>
           </a:p>
           <a:p>
+            <a:endParaRPr lang="en-US" altLang="zh-CN" dirty="0"/>
+          </a:p>
+          <a:p>
             <a:r>
               <a:rPr lang="zh-CN" altLang="en-US" dirty="0"/>
               <a:t>卫报记者单人长达</a:t>
@@ -4550,6 +4559,9 @@
               <a:rPr lang="zh-CN" altLang="en-US" dirty="0"/>
               <a:t>页的用户数据历史，包括时间、地点、个人喜好、受众人群、每个照片浏览时间。</a:t>
             </a:r>
+            <a:endParaRPr lang="en-US" altLang="zh-CN" dirty="0"/>
+          </a:p>
+          <a:p>
             <a:endParaRPr lang="en-US" altLang="zh-CN" dirty="0"/>
           </a:p>
           <a:p>
@@ -4883,6 +4895,9 @@
             <a:endParaRPr lang="en-US" altLang="zh-CN" dirty="0"/>
           </a:p>
           <a:p>
+            <a:endParaRPr lang="en-US" altLang="zh-CN" dirty="0"/>
+          </a:p>
+          <a:p>
             <a:r>
               <a:rPr lang="zh-CN" altLang="en-US" dirty="0"/>
               <a:t>打擦边球构筑的不健康的商业模式。</a:t>
@@ -4890,10 +4905,16 @@
             <a:endParaRPr lang="en-US" altLang="zh-CN" dirty="0"/>
           </a:p>
           <a:p>
+            <a:endParaRPr lang="en-US" altLang="zh-CN" dirty="0"/>
+          </a:p>
+          <a:p>
             <a:r>
               <a:rPr lang="zh-CN" altLang="en-US" dirty="0"/>
               <a:t>用户粘性有限，商业潜力有限。</a:t>
             </a:r>
+            <a:endParaRPr lang="en-US" altLang="zh-CN" dirty="0"/>
+          </a:p>
+          <a:p>
             <a:endParaRPr lang="en-US" altLang="zh-CN" dirty="0"/>
           </a:p>
           <a:p>
@@ -4990,6 +5011,9 @@
             <a:endParaRPr lang="en-US" altLang="zh-CN" dirty="0"/>
           </a:p>
           <a:p>
+            <a:endParaRPr lang="en-US" altLang="zh-CN" dirty="0"/>
+          </a:p>
+          <a:p>
             <a:r>
               <a:rPr lang="zh-CN" altLang="en-US" dirty="0"/>
               <a:t>主要玩家包括世纪佳缘</a:t>
@@ -5005,6 +5029,9 @@
             <a:endParaRPr lang="en-US" altLang="zh-CN" dirty="0"/>
           </a:p>
           <a:p>
+            <a:endParaRPr lang="en-US" altLang="zh-CN" dirty="0"/>
+          </a:p>
+          <a:p>
             <a:r>
               <a:rPr lang="zh-CN" altLang="en-US" dirty="0"/>
               <a:t>用户普遍为</a:t>
@@ -5017,6 +5044,9 @@
               <a:rPr lang="zh-CN" altLang="en-US" dirty="0"/>
               <a:t>岁，有更高的收入，追求相亲的效率</a:t>
             </a:r>
+            <a:endParaRPr lang="en-US" altLang="zh-CN" dirty="0"/>
+          </a:p>
+          <a:p>
             <a:endParaRPr lang="en-US" altLang="zh-CN" dirty="0"/>
           </a:p>
           <a:p>
@@ -5512,10 +5542,17 @@
             <a:endParaRPr lang="en-US" altLang="zh-CN" dirty="0"/>
           </a:p>
           <a:p>
+            <a:endParaRPr lang="en-US" altLang="zh-CN" dirty="0"/>
+          </a:p>
+          <a:p>
             <a:r>
               <a:rPr lang="zh-CN" altLang="en-US" dirty="0"/>
               <a:t>存在大量不实个人信息，但是过于严格的筛查审核机制会劝退很多用户，用户不愿意一次性上传过多真实个人信息和照片，如学位证身份证等</a:t>
             </a:r>
+            <a:endParaRPr lang="en-US" altLang="zh-CN" dirty="0"/>
+          </a:p>
+          <a:p>
+            <a:endParaRPr lang="zh-CN" altLang="en-US" dirty="0"/>
           </a:p>
           <a:p>
             <a:r>
@@ -5620,6 +5657,9 @@
               <a:rPr lang="zh-CN" altLang="en-US" dirty="0"/>
               <a:t>主打高校市场：分享校园欢乐日常、大学生专属身份认证、面向全国高校开放、答题交友</a:t>
             </a:r>
+            <a:endParaRPr lang="en-US" altLang="zh-CN" dirty="0"/>
+          </a:p>
+          <a:p>
             <a:endParaRPr lang="en-US" altLang="zh-CN" dirty="0"/>
           </a:p>
           <a:p>
@@ -6071,10 +6111,16 @@
             <a:endParaRPr lang="en-US" altLang="zh-CN" dirty="0"/>
           </a:p>
           <a:p>
+            <a:endParaRPr lang="en-US" altLang="zh-CN" dirty="0"/>
+          </a:p>
+          <a:p>
             <a:r>
               <a:rPr lang="zh-CN" altLang="en-US" dirty="0"/>
               <a:t>但是屏蔽词过多，甚至其他网站链接都会屏蔽。</a:t>
             </a:r>
+            <a:endParaRPr lang="en-US" altLang="zh-CN" dirty="0"/>
+          </a:p>
+          <a:p>
             <a:endParaRPr lang="en-US" altLang="zh-CN" dirty="0"/>
           </a:p>
           <a:p>
@@ -6717,6 +6763,11 @@
           </a:bodyPr>
           <a:lstStyle/>
           <a:p>
+            <a:pPr>
+              <a:spcAft>
+                <a:spcPts val="600"/>
+              </a:spcAft>
+            </a:pPr>
             <a:r>
               <a:rPr lang="zh-CN" altLang="en-US" dirty="0"/>
               <a:t>互联网语境下的社交是用户间的信息交流和互动，最典型的社交产品是早期的微信和</a:t>
@@ -6739,6 +6790,11 @@
             </a:r>
           </a:p>
           <a:p>
+            <a:pPr>
+              <a:spcAft>
+                <a:spcPts val="600"/>
+              </a:spcAft>
+            </a:pPr>
             <a:r>
               <a:rPr lang="zh-CN" altLang="en-US" dirty="0"/>
               <a:t>在社交的分类中，按用户关系距离来分，可分为熟人社交（</a:t>
@@ -6761,6 +6817,11 @@
             </a:r>
           </a:p>
           <a:p>
+            <a:pPr>
+              <a:spcAft>
+                <a:spcPts val="600"/>
+              </a:spcAft>
+            </a:pPr>
             <a:r>
               <a:rPr lang="zh-CN" altLang="en-US" dirty="0"/>
               <a:t>从社交的定义可以得到陌生人社交指陌生用户间的信息交流和互动，社交整体过程归纳总结起来就是以下两点：</a:t>
@@ -6920,6 +6981,9 @@
             </a:r>
           </a:p>
           <a:p>
+            <a:endParaRPr lang="en-US" altLang="zh-CN" dirty="0"/>
+          </a:p>
+          <a:p>
             <a:r>
               <a:rPr lang="zh-CN" altLang="en-US" dirty="0"/>
               <a:t>路上碰见合适的，就大胆去给</a:t>
@@ -6936,6 +7000,9 @@
               <a:rPr lang="en-US" altLang="zh-CN" dirty="0"/>
               <a:t>~</a:t>
             </a:r>
+          </a:p>
+          <a:p>
+            <a:endParaRPr lang="en-US" altLang="zh-CN" dirty="0"/>
           </a:p>
           <a:p>
             <a:r>
@@ -7123,31 +7190,6 @@
           </a:p>
         </p:txBody>
       </p:sp>
-      <p:sp>
-        <p:nvSpPr>
-          <p:cNvPr id="3" name="内容占位符 2">
-            <a:extLst>
-              <a:ext uri="{FF2B5EF4-FFF2-40B4-BE49-F238E27FC236}">
-                <a16:creationId xmlns:a16="http://schemas.microsoft.com/office/drawing/2014/main" id="{63C81A2A-1DA0-4555-A695-27523816E47C}"/>
-              </a:ext>
-            </a:extLst>
-          </p:cNvPr>
-          <p:cNvSpPr>
-            <a:spLocks noGrp="1"/>
-          </p:cNvSpPr>
-          <p:nvPr>
-            <p:ph idx="1"/>
-          </p:nvPr>
-        </p:nvSpPr>
-        <p:spPr/>
-        <p:txBody>
-          <a:bodyPr/>
-          <a:lstStyle/>
-          <a:p>
-            <a:endParaRPr lang="zh-CN" altLang="en-US" dirty="0"/>
-          </a:p>
-        </p:txBody>
-      </p:sp>
       <p:pic>
         <p:nvPicPr>
           <p:cNvPr id="3074" name="Picture 2" descr="preview">
@@ -7177,8 +7219,8 @@
         </p:blipFill>
         <p:spPr bwMode="auto">
           <a:xfrm>
-            <a:off x="1504950" y="3342216"/>
-            <a:ext cx="9182100" cy="2647950"/>
+            <a:off x="757024" y="2316480"/>
+            <a:ext cx="10677951" cy="3079326"/>
           </a:xfrm>
           <a:prstGeom prst="rect">
             <a:avLst/>
@@ -7393,7 +7435,7 @@
         </p:blipFill>
         <p:spPr bwMode="auto">
           <a:xfrm>
-            <a:off x="1879071" y="1337330"/>
+            <a:off x="2061951" y="1275418"/>
             <a:ext cx="8433858" cy="5520670"/>
           </a:xfrm>
           <a:prstGeom prst="rect">
@@ -7490,11 +7532,23 @@
             <p:ph idx="1"/>
           </p:nvPr>
         </p:nvSpPr>
-        <p:spPr/>
-        <p:txBody>
-          <a:bodyPr/>
-          <a:lstStyle/>
-          <a:p>
+        <p:spPr>
+          <a:xfrm>
+            <a:off x="838200" y="1825624"/>
+            <a:ext cx="10515600" cy="4544695"/>
+          </a:xfrm>
+        </p:spPr>
+        <p:txBody>
+          <a:bodyPr>
+            <a:normAutofit/>
+          </a:bodyPr>
+          <a:lstStyle/>
+          <a:p>
+            <a:pPr>
+              <a:spcAft>
+                <a:spcPts val="600"/>
+              </a:spcAft>
+            </a:pPr>
             <a:r>
               <a:rPr lang="zh-CN" altLang="en-US" dirty="0"/>
               <a:t>划卡匹配导致的流量中心化</a:t>
@@ -7509,6 +7563,11 @@
             </a:r>
           </a:p>
           <a:p>
+            <a:pPr>
+              <a:spcAft>
+                <a:spcPts val="600"/>
+              </a:spcAft>
+            </a:pPr>
             <a:r>
               <a:rPr lang="zh-CN" altLang="en-US" dirty="0"/>
               <a:t>在东亚，带有色情味道的陌生社交产品大家使用时会有一定压力，会在意主流社会的眼光。</a:t>
@@ -7516,6 +7575,11 @@
             <a:endParaRPr lang="en-US" altLang="zh-CN" dirty="0"/>
           </a:p>
           <a:p>
+            <a:pPr>
+              <a:spcAft>
+                <a:spcPts val="600"/>
+              </a:spcAft>
+            </a:pPr>
             <a:r>
               <a:rPr lang="zh-CN" altLang="en-US" dirty="0"/>
               <a:t>无法保证能找到一个聊得来的朋友或者伴侣，这种不确定性让用户退缩，尤其在概率过低时，随着用户使用成本的提高，用户更不愿意使用。</a:t>
@@ -7523,6 +7587,11 @@
             <a:endParaRPr lang="en-US" altLang="zh-CN" dirty="0"/>
           </a:p>
           <a:p>
+            <a:pPr>
+              <a:spcAft>
+                <a:spcPts val="600"/>
+              </a:spcAft>
+            </a:pPr>
             <a:r>
               <a:rPr lang="zh-CN" altLang="en-US" dirty="0"/>
               <a:t>网络空间的陌生人社交中行为成本低，骚扰行为频发，极其伤害用户的体验，导致用户的流失</a:t>
@@ -7530,6 +7599,11 @@
             <a:endParaRPr lang="en-US" altLang="zh-CN" dirty="0"/>
           </a:p>
           <a:p>
+            <a:pPr>
+              <a:spcAft>
+                <a:spcPts val="600"/>
+              </a:spcAft>
+            </a:pPr>
             <a:r>
               <a:rPr lang="zh-CN" altLang="en-US" dirty="0"/>
               <a:t>由于恶意用户的存在，用户之间的信任度较低，而这又进一步地导致了优质用户不愿意使用陌生人社交软件，形成恶性循环。</a:t>
@@ -7537,6 +7611,11 @@
             <a:endParaRPr lang="en-US" altLang="zh-CN" dirty="0"/>
           </a:p>
           <a:p>
+            <a:pPr>
+              <a:spcAft>
+                <a:spcPts val="600"/>
+              </a:spcAft>
+            </a:pPr>
             <a:r>
               <a:rPr lang="zh-CN" altLang="en-US" dirty="0"/>
               <a:t>触及色情诈骗等灰色地带，遭到监管部门打击</a:t>
